--- a/Twitter_Viral.pptx
+++ b/Twitter_Viral.pptx
@@ -4023,7 +4023,7 @@
               <a:t> </a:t>
             </a:r>
             <a:r>
-              <a:rPr lang="en-US" sz="2400">
+              <a:rPr lang="en-US" sz="2400" dirty="0" err="1">
                 <a:solidFill>
                   <a:schemeClr val="tx1">
                     <a:lumMod val="85000"/>
